--- a/flood prediction tuyishime emmanuel ok.pptx
+++ b/flood prediction tuyishime emmanuel ok.pptx
@@ -310,7 +310,7 @@
           <a:p>
             <a:fld id="{5BCAD085-E8A6-8845-BD4E-CB4CCA059FC4}" type="datetimeFigureOut">
               <a:rPr lang="en-US" smtClean="0"/>
-              <a:t>9/26/2025</a:t>
+              <a:t>10/3/2025</a:t>
             </a:fld>
             <a:endParaRPr lang="en-US"/>
           </a:p>
@@ -478,7 +478,7 @@
           <a:p>
             <a:fld id="{5BCAD085-E8A6-8845-BD4E-CB4CCA059FC4}" type="datetimeFigureOut">
               <a:rPr lang="en-US" smtClean="0"/>
-              <a:t>9/26/2025</a:t>
+              <a:t>10/3/2025</a:t>
             </a:fld>
             <a:endParaRPr lang="en-US"/>
           </a:p>
@@ -656,7 +656,7 @@
           <a:p>
             <a:fld id="{5BCAD085-E8A6-8845-BD4E-CB4CCA059FC4}" type="datetimeFigureOut">
               <a:rPr lang="en-US" smtClean="0"/>
-              <a:t>9/26/2025</a:t>
+              <a:t>10/3/2025</a:t>
             </a:fld>
             <a:endParaRPr lang="en-US"/>
           </a:p>
@@ -824,7 +824,7 @@
           <a:p>
             <a:fld id="{5BCAD085-E8A6-8845-BD4E-CB4CCA059FC4}" type="datetimeFigureOut">
               <a:rPr lang="en-US" smtClean="0"/>
-              <a:t>9/26/2025</a:t>
+              <a:t>10/3/2025</a:t>
             </a:fld>
             <a:endParaRPr lang="en-US"/>
           </a:p>
@@ -1069,7 +1069,7 @@
           <a:p>
             <a:fld id="{5BCAD085-E8A6-8845-BD4E-CB4CCA059FC4}" type="datetimeFigureOut">
               <a:rPr lang="en-US" smtClean="0"/>
-              <a:t>9/26/2025</a:t>
+              <a:t>10/3/2025</a:t>
             </a:fld>
             <a:endParaRPr lang="en-US"/>
           </a:p>
@@ -1354,7 +1354,7 @@
           <a:p>
             <a:fld id="{5BCAD085-E8A6-8845-BD4E-CB4CCA059FC4}" type="datetimeFigureOut">
               <a:rPr lang="en-US" smtClean="0"/>
-              <a:t>9/26/2025</a:t>
+              <a:t>10/3/2025</a:t>
             </a:fld>
             <a:endParaRPr lang="en-US"/>
           </a:p>
@@ -1773,7 +1773,7 @@
           <a:p>
             <a:fld id="{5BCAD085-E8A6-8845-BD4E-CB4CCA059FC4}" type="datetimeFigureOut">
               <a:rPr lang="en-US" smtClean="0"/>
-              <a:t>9/26/2025</a:t>
+              <a:t>10/3/2025</a:t>
             </a:fld>
             <a:endParaRPr lang="en-US"/>
           </a:p>
@@ -1890,7 +1890,7 @@
           <a:p>
             <a:fld id="{5BCAD085-E8A6-8845-BD4E-CB4CCA059FC4}" type="datetimeFigureOut">
               <a:rPr lang="en-US" smtClean="0"/>
-              <a:t>9/26/2025</a:t>
+              <a:t>10/3/2025</a:t>
             </a:fld>
             <a:endParaRPr lang="en-US"/>
           </a:p>
@@ -1985,7 +1985,7 @@
           <a:p>
             <a:fld id="{5BCAD085-E8A6-8845-BD4E-CB4CCA059FC4}" type="datetimeFigureOut">
               <a:rPr lang="en-US" smtClean="0"/>
-              <a:t>9/26/2025</a:t>
+              <a:t>10/3/2025</a:t>
             </a:fld>
             <a:endParaRPr lang="en-US"/>
           </a:p>
@@ -2260,7 +2260,7 @@
           <a:p>
             <a:fld id="{5BCAD085-E8A6-8845-BD4E-CB4CCA059FC4}" type="datetimeFigureOut">
               <a:rPr lang="en-US" smtClean="0"/>
-              <a:t>9/26/2025</a:t>
+              <a:t>10/3/2025</a:t>
             </a:fld>
             <a:endParaRPr lang="en-US"/>
           </a:p>
@@ -2512,7 +2512,7 @@
           <a:p>
             <a:fld id="{5BCAD085-E8A6-8845-BD4E-CB4CCA059FC4}" type="datetimeFigureOut">
               <a:rPr lang="en-US" smtClean="0"/>
-              <a:t>9/26/2025</a:t>
+              <a:t>10/3/2025</a:t>
             </a:fld>
             <a:endParaRPr lang="en-US"/>
           </a:p>
@@ -2723,7 +2723,7 @@
           <a:p>
             <a:fld id="{5BCAD085-E8A6-8845-BD4E-CB4CCA059FC4}" type="datetimeFigureOut">
               <a:rPr lang="en-US" smtClean="0"/>
-              <a:t>9/26/2025</a:t>
+              <a:t>10/3/2025</a:t>
             </a:fld>
             <a:endParaRPr lang="en-US"/>
           </a:p>
@@ -3748,10 +3748,10 @@
       </p:sp>
       <p:pic>
         <p:nvPicPr>
-          <p:cNvPr id="5" name="Content Placeholder 4">
+          <p:cNvPr id="7" name="Content Placeholder 6">
             <a:extLst>
               <a:ext uri="{FF2B5EF4-FFF2-40B4-BE49-F238E27FC236}">
-                <a16:creationId xmlns:a16="http://schemas.microsoft.com/office/drawing/2014/main" id="{3D4B3688-FE8B-7F2D-FA26-FF7FB993D79D}"/>
+                <a16:creationId xmlns:a16="http://schemas.microsoft.com/office/drawing/2014/main" id="{B6E9755F-3F6C-60AC-B77E-5C6F3CE26B73}"/>
               </a:ext>
             </a:extLst>
           </p:cNvPr>
@@ -3764,14 +3764,15 @@
         </p:nvPicPr>
         <p:blipFill>
           <a:blip r:embed="rId2"/>
+          <a:srcRect l="1638" t="5276" r="6310" b="8074"/>
           <a:stretch>
             <a:fillRect/>
           </a:stretch>
         </p:blipFill>
         <p:spPr>
           <a:xfrm>
-            <a:off x="-1" y="556183"/>
-            <a:ext cx="9040305" cy="5410984"/>
+            <a:off x="680720" y="1838961"/>
+            <a:ext cx="7406640" cy="3921760"/>
           </a:xfrm>
         </p:spPr>
       </p:pic>
